--- a/DraftSlides/Lecture7.pptx
+++ b/DraftSlides/Lecture7.pptx
@@ -6,7 +6,7 @@
     <p:sldMasterId id="2147483652" r:id="rId2"/>
   </p:sldMasterIdLst>
   <p:notesMasterIdLst>
-    <p:notesMasterId r:id="rId14"/>
+    <p:notesMasterId r:id="rId17"/>
   </p:notesMasterIdLst>
   <p:sldIdLst>
     <p:sldId id="454" r:id="rId3"/>
@@ -20,6 +20,9 @@
     <p:sldId id="564" r:id="rId11"/>
     <p:sldId id="562" r:id="rId12"/>
     <p:sldId id="563" r:id="rId13"/>
+    <p:sldId id="565" r:id="rId14"/>
+    <p:sldId id="566" r:id="rId15"/>
+    <p:sldId id="567" r:id="rId16"/>
   </p:sldIdLst>
   <p:sldSz cx="10080625" cy="7559675"/>
   <p:notesSz cx="7772400" cy="10058400"/>
@@ -224,7 +227,7 @@
 <file path=ppt/revisionInfo.xml><?xml version="1.0" encoding="utf-8"?>
 <p1510:revInfo xmlns:a="http://schemas.openxmlformats.org/drawingml/2006/main" xmlns:r="http://schemas.openxmlformats.org/officeDocument/2006/relationships" xmlns:p1510="http://schemas.microsoft.com/office/powerpoint/2015/10/main">
   <p1510:revLst>
-    <p1510:client id="{5F2F6BF5-D84C-49C2-A88A-A14AEB5A6666}" v="242" dt="2022-02-03T14:21:45.138"/>
+    <p1510:client id="{5F2F6BF5-D84C-49C2-A88A-A14AEB5A6666}" v="299" dt="2022-02-03T19:21:17.697"/>
   </p1510:revLst>
 </p1510:revInfo>
 </file>
@@ -763,7 +766,7 @@
   <pc:docChgLst>
     <pc:chgData name="Khattab, Sherif" userId="c83b1e15-36f3-4f46-aceb-05aac24c545e" providerId="ADAL" clId="{5F2F6BF5-D84C-49C2-A88A-A14AEB5A6666}"/>
     <pc:docChg chg="undo custSel addSld delSld modSld">
-      <pc:chgData name="Khattab, Sherif" userId="c83b1e15-36f3-4f46-aceb-05aac24c545e" providerId="ADAL" clId="{5F2F6BF5-D84C-49C2-A88A-A14AEB5A6666}" dt="2022-02-03T14:22:11.592" v="874" actId="47"/>
+      <pc:chgData name="Khattab, Sherif" userId="c83b1e15-36f3-4f46-aceb-05aac24c545e" providerId="ADAL" clId="{5F2F6BF5-D84C-49C2-A88A-A14AEB5A6666}" dt="2022-02-03T19:22:00.267" v="1647" actId="1076"/>
       <pc:docMkLst>
         <pc:docMk/>
       </pc:docMkLst>
@@ -1612,17 +1615,25 @@
         </pc:inkChg>
       </pc:sldChg>
       <pc:sldChg chg="addSp delSp modSp add mod">
-        <pc:chgData name="Khattab, Sherif" userId="c83b1e15-36f3-4f46-aceb-05aac24c545e" providerId="ADAL" clId="{5F2F6BF5-D84C-49C2-A88A-A14AEB5A6666}" dt="2022-02-03T14:20:22.225" v="602" actId="20577"/>
+        <pc:chgData name="Khattab, Sherif" userId="c83b1e15-36f3-4f46-aceb-05aac24c545e" providerId="ADAL" clId="{5F2F6BF5-D84C-49C2-A88A-A14AEB5A6666}" dt="2022-02-03T19:16:27.776" v="999" actId="20577"/>
         <pc:sldMkLst>
           <pc:docMk/>
           <pc:sldMk cId="401523692" sldId="563"/>
         </pc:sldMkLst>
         <pc:spChg chg="mod">
-          <ac:chgData name="Khattab, Sherif" userId="c83b1e15-36f3-4f46-aceb-05aac24c545e" providerId="ADAL" clId="{5F2F6BF5-D84C-49C2-A88A-A14AEB5A6666}" dt="2022-02-03T14:20:22.225" v="602" actId="20577"/>
+          <ac:chgData name="Khattab, Sherif" userId="c83b1e15-36f3-4f46-aceb-05aac24c545e" providerId="ADAL" clId="{5F2F6BF5-D84C-49C2-A88A-A14AEB5A6666}" dt="2022-02-03T19:16:27.776" v="999" actId="20577"/>
           <ac:spMkLst>
             <pc:docMk/>
             <pc:sldMk cId="401523692" sldId="563"/>
             <ac:spMk id="3" creationId="{D5291290-B762-483B-8F8C-11B52611EC7F}"/>
+          </ac:spMkLst>
+        </pc:spChg>
+        <pc:spChg chg="add mod">
+          <ac:chgData name="Khattab, Sherif" userId="c83b1e15-36f3-4f46-aceb-05aac24c545e" providerId="ADAL" clId="{5F2F6BF5-D84C-49C2-A88A-A14AEB5A6666}" dt="2022-02-03T19:16:17.616" v="988" actId="20577"/>
+          <ac:spMkLst>
+            <pc:docMk/>
+            <pc:sldMk cId="401523692" sldId="563"/>
+            <ac:spMk id="6" creationId="{7E7E0BF0-2041-4397-98B6-1BECD0E57B1A}"/>
           </ac:spMkLst>
         </pc:spChg>
         <pc:spChg chg="add del mod">
@@ -1680,6 +1691,66 @@
             <ac:spMk id="3" creationId="{672D86A1-B2AB-45DF-97E1-7745B511B50E}"/>
           </ac:spMkLst>
         </pc:spChg>
+      </pc:sldChg>
+      <pc:sldChg chg="add">
+        <pc:chgData name="Khattab, Sherif" userId="c83b1e15-36f3-4f46-aceb-05aac24c545e" providerId="ADAL" clId="{5F2F6BF5-D84C-49C2-A88A-A14AEB5A6666}" dt="2022-02-03T19:14:47.466" v="877"/>
+        <pc:sldMkLst>
+          <pc:docMk/>
+          <pc:sldMk cId="492404092" sldId="565"/>
+        </pc:sldMkLst>
+      </pc:sldChg>
+      <pc:sldChg chg="add del">
+        <pc:chgData name="Khattab, Sherif" userId="c83b1e15-36f3-4f46-aceb-05aac24c545e" providerId="ADAL" clId="{5F2F6BF5-D84C-49C2-A88A-A14AEB5A6666}" dt="2022-02-03T19:14:47.448" v="876"/>
+        <pc:sldMkLst>
+          <pc:docMk/>
+          <pc:sldMk cId="970752448" sldId="565"/>
+        </pc:sldMkLst>
+      </pc:sldChg>
+      <pc:sldChg chg="modSp new mod modAnim">
+        <pc:chgData name="Khattab, Sherif" userId="c83b1e15-36f3-4f46-aceb-05aac24c545e" providerId="ADAL" clId="{5F2F6BF5-D84C-49C2-A88A-A14AEB5A6666}" dt="2022-02-03T19:20:53.465" v="1590"/>
+        <pc:sldMkLst>
+          <pc:docMk/>
+          <pc:sldMk cId="1978042385" sldId="566"/>
+        </pc:sldMkLst>
+        <pc:spChg chg="mod">
+          <ac:chgData name="Khattab, Sherif" userId="c83b1e15-36f3-4f46-aceb-05aac24c545e" providerId="ADAL" clId="{5F2F6BF5-D84C-49C2-A88A-A14AEB5A6666}" dt="2022-02-03T19:16:47.530" v="1008" actId="20577"/>
+          <ac:spMkLst>
+            <pc:docMk/>
+            <pc:sldMk cId="1978042385" sldId="566"/>
+            <ac:spMk id="2" creationId="{C9858C67-D4AE-4248-BE76-AB32777E60D2}"/>
+          </ac:spMkLst>
+        </pc:spChg>
+        <pc:spChg chg="mod">
+          <ac:chgData name="Khattab, Sherif" userId="c83b1e15-36f3-4f46-aceb-05aac24c545e" providerId="ADAL" clId="{5F2F6BF5-D84C-49C2-A88A-A14AEB5A6666}" dt="2022-02-03T19:20:47.613" v="1588" actId="6549"/>
+          <ac:spMkLst>
+            <pc:docMk/>
+            <pc:sldMk cId="1978042385" sldId="566"/>
+            <ac:spMk id="3" creationId="{FBFE21D9-18E9-4186-982C-9B73CD8929E5}"/>
+          </ac:spMkLst>
+        </pc:spChg>
+      </pc:sldChg>
+      <pc:sldChg chg="addSp modSp new mod">
+        <pc:chgData name="Khattab, Sherif" userId="c83b1e15-36f3-4f46-aceb-05aac24c545e" providerId="ADAL" clId="{5F2F6BF5-D84C-49C2-A88A-A14AEB5A6666}" dt="2022-02-03T19:22:00.267" v="1647" actId="1076"/>
+        <pc:sldMkLst>
+          <pc:docMk/>
+          <pc:sldMk cId="2984486663" sldId="567"/>
+        </pc:sldMkLst>
+        <pc:spChg chg="mod">
+          <ac:chgData name="Khattab, Sherif" userId="c83b1e15-36f3-4f46-aceb-05aac24c545e" providerId="ADAL" clId="{5F2F6BF5-D84C-49C2-A88A-A14AEB5A6666}" dt="2022-02-03T19:21:17.697" v="1642" actId="404"/>
+          <ac:spMkLst>
+            <pc:docMk/>
+            <pc:sldMk cId="2984486663" sldId="567"/>
+            <ac:spMk id="2" creationId="{84956429-172D-4C98-8FF4-5DD8DA95250B}"/>
+          </ac:spMkLst>
+        </pc:spChg>
+        <pc:picChg chg="add mod">
+          <ac:chgData name="Khattab, Sherif" userId="c83b1e15-36f3-4f46-aceb-05aac24c545e" providerId="ADAL" clId="{5F2F6BF5-D84C-49C2-A88A-A14AEB5A6666}" dt="2022-02-03T19:22:00.267" v="1647" actId="1076"/>
+          <ac:picMkLst>
+            <pc:docMk/>
+            <pc:sldMk cId="2984486663" sldId="567"/>
+            <ac:picMk id="6" creationId="{540D19B8-68C5-4084-A4A5-081F30EAF9B7}"/>
+          </ac:picMkLst>
+        </pc:picChg>
       </pc:sldChg>
     </pc:docChg>
   </pc:docChgLst>
@@ -14576,8 +14647,8 @@
             <a:chExt cx="384120" cy="828000"/>
           </a:xfrm>
         </p:grpSpPr>
-        <mc:AlternateContent xmlns:mc="http://schemas.openxmlformats.org/markup-compatibility/2006">
-          <mc:Choice xmlns:p14="http://schemas.microsoft.com/office/powerpoint/2010/main" Requires="p14">
+        <mc:AlternateContent xmlns:mc="http://schemas.openxmlformats.org/markup-compatibility/2006" xmlns:p14="http://schemas.microsoft.com/office/powerpoint/2010/main">
+          <mc:Choice Requires="p14">
             <p:contentPart p14:bwMode="auto" r:id="rId3">
               <p14:nvContentPartPr>
                 <p14:cNvPr id="6" name="Ink 5">
@@ -14596,7 +14667,7 @@
               </p14:xfrm>
             </p:contentPart>
           </mc:Choice>
-          <mc:Fallback>
+          <mc:Fallback xmlns="">
             <p:pic>
               <p:nvPicPr>
                 <p:cNvPr id="6" name="Ink 5">
@@ -14627,8 +14698,8 @@
             </p:pic>
           </mc:Fallback>
         </mc:AlternateContent>
-        <mc:AlternateContent xmlns:mc="http://schemas.openxmlformats.org/markup-compatibility/2006">
-          <mc:Choice xmlns:p14="http://schemas.microsoft.com/office/powerpoint/2010/main" Requires="p14">
+        <mc:AlternateContent xmlns:mc="http://schemas.openxmlformats.org/markup-compatibility/2006" xmlns:p14="http://schemas.microsoft.com/office/powerpoint/2010/main">
+          <mc:Choice Requires="p14">
             <p:contentPart p14:bwMode="auto" r:id="rId5">
               <p14:nvContentPartPr>
                 <p14:cNvPr id="7" name="Ink 6">
@@ -14647,7 +14718,7 @@
               </p14:xfrm>
             </p:contentPart>
           </mc:Choice>
-          <mc:Fallback>
+          <mc:Fallback xmlns="">
             <p:pic>
               <p:nvPicPr>
                 <p:cNvPr id="7" name="Ink 6">
@@ -14760,14 +14831,16 @@
           </a:xfrm>
         </p:spPr>
         <p:txBody>
-          <a:bodyPr/>
+          <a:bodyPr>
+            <a:normAutofit lnSpcReduction="10000"/>
+          </a:bodyPr>
           <a:lstStyle/>
           <a:p>
             <a:pPr marL="0" indent="0" algn="ctr">
               <a:buNone/>
             </a:pPr>
             <a:r>
-              <a:rPr lang="en-US" dirty="0"/>
+              <a:rPr lang="en-US" b="1" u="sng" dirty="0"/>
               <a:t>Producer</a:t>
             </a:r>
           </a:p>
@@ -14777,7 +14850,15 @@
             </a:pPr>
             <a:r>
               <a:rPr lang="en-US" dirty="0"/>
-              <a:t>down(mutex)</a:t>
+              <a:t>down(</a:t>
+            </a:r>
+            <a:r>
+              <a:rPr lang="en-US" dirty="0" err="1"/>
+              <a:t>sem</a:t>
+            </a:r>
+            <a:r>
+              <a:rPr lang="en-US" dirty="0"/>
+              <a:t>)</a:t>
             </a:r>
           </a:p>
           <a:p>
@@ -14804,7 +14885,7 @@
             </a:pPr>
             <a:r>
               <a:rPr lang="en-US" dirty="0"/>
-              <a:t>in += 1 %n</a:t>
+              <a:t>in = (in + 1) % n</a:t>
             </a:r>
           </a:p>
           <a:p>
@@ -14814,6 +14895,32 @@
             <a:r>
               <a:rPr lang="en-US" dirty="0"/>
               <a:t>count++</a:t>
+            </a:r>
+          </a:p>
+          <a:p>
+            <a:pPr marL="0" indent="0">
+              <a:buNone/>
+            </a:pPr>
+            <a:r>
+              <a:rPr lang="en-US" dirty="0"/>
+              <a:t>up(empty)</a:t>
+            </a:r>
+          </a:p>
+          <a:p>
+            <a:pPr marL="0" indent="0">
+              <a:buNone/>
+            </a:pPr>
+            <a:r>
+              <a:rPr lang="en-US" dirty="0"/>
+              <a:t>up(</a:t>
+            </a:r>
+            <a:r>
+              <a:rPr lang="en-US" dirty="0" err="1"/>
+              <a:t>sem</a:t>
+            </a:r>
+            <a:r>
+              <a:rPr lang="en-US" dirty="0"/>
+              <a:t>)</a:t>
             </a:r>
           </a:p>
           <a:p>
@@ -14923,10 +15030,1845 @@
           </a:p>
         </p:txBody>
       </p:sp>
+      <p:sp>
+        <p:nvSpPr>
+          <p:cNvPr id="6" name="Content Placeholder 2">
+            <a:extLst>
+              <a:ext uri="{FF2B5EF4-FFF2-40B4-BE49-F238E27FC236}">
+                <a16:creationId xmlns:a16="http://schemas.microsoft.com/office/drawing/2014/main" id="{7E7E0BF0-2041-4397-98B6-1BECD0E57B1A}"/>
+              </a:ext>
+            </a:extLst>
+          </p:cNvPr>
+          <p:cNvSpPr txBox="1">
+            <a:spLocks/>
+          </p:cNvSpPr>
+          <p:nvPr/>
+        </p:nvSpPr>
+        <p:spPr bwMode="auto">
+          <a:xfrm>
+            <a:off x="5481851" y="2049439"/>
+            <a:ext cx="4292221" cy="5145987"/>
+          </a:xfrm>
+          <a:prstGeom prst="rect">
+            <a:avLst/>
+          </a:prstGeom>
+          <a:noFill/>
+          <a:ln>
+            <a:noFill/>
+          </a:ln>
+          <a:extLst>
+            <a:ext uri="{909E8E84-426E-40DD-AFC4-6F175D3DCCD1}">
+              <a14:hiddenFill xmlns:a14="http://schemas.microsoft.com/office/drawing/2010/main">
+                <a:solidFill>
+                  <a:srgbClr val="FFFFFF"/>
+                </a:solidFill>
+              </a14:hiddenFill>
+            </a:ext>
+            <a:ext uri="{91240B29-F687-4F45-9708-019B960494DF}">
+              <a14:hiddenLine xmlns:a14="http://schemas.microsoft.com/office/drawing/2010/main" w="9525">
+                <a:solidFill>
+                  <a:srgbClr val="000000"/>
+                </a:solidFill>
+                <a:round/>
+                <a:headEnd/>
+                <a:tailEnd/>
+              </a14:hiddenLine>
+            </a:ext>
+          </a:extLst>
+        </p:spPr>
+        <p:txBody>
+          <a:bodyPr vert="horz" wrap="square" lIns="0" tIns="0" rIns="0" bIns="0" numCol="1" anchor="t" anchorCtr="0" compatLnSpc="1">
+            <a:prstTxWarp prst="textNoShape">
+              <a:avLst/>
+            </a:prstTxWarp>
+            <a:normAutofit lnSpcReduction="10000"/>
+          </a:bodyPr>
+          <a:lstStyle>
+            <a:lvl1pPr marL="457200" indent="-457200" algn="l" defTabSz="457200" rtl="0" eaLnBrk="0" fontAlgn="base" hangingPunct="0">
+              <a:spcBef>
+                <a:spcPct val="0"/>
+              </a:spcBef>
+              <a:spcAft>
+                <a:spcPts val="1425"/>
+              </a:spcAft>
+              <a:buClr>
+                <a:srgbClr val="000000"/>
+              </a:buClr>
+              <a:buSzPct val="100000"/>
+              <a:buFont typeface="Arial" charset="0"/>
+              <a:buChar char="•"/>
+              <a:defRPr sz="3200">
+                <a:solidFill>
+                  <a:srgbClr val="000000"/>
+                </a:solidFill>
+                <a:latin typeface="+mn-lt"/>
+                <a:ea typeface="+mn-ea"/>
+                <a:cs typeface="+mn-cs"/>
+              </a:defRPr>
+            </a:lvl1pPr>
+            <a:lvl2pPr marL="914400" indent="-457200" algn="l" defTabSz="457200" rtl="0" eaLnBrk="0" fontAlgn="base" hangingPunct="0">
+              <a:spcBef>
+                <a:spcPct val="0"/>
+              </a:spcBef>
+              <a:spcAft>
+                <a:spcPts val="1138"/>
+              </a:spcAft>
+              <a:buClr>
+                <a:srgbClr val="000000"/>
+              </a:buClr>
+              <a:buSzPct val="100000"/>
+              <a:buFont typeface="Arial" charset="0"/>
+              <a:buChar char="•"/>
+              <a:defRPr sz="2800">
+                <a:solidFill>
+                  <a:srgbClr val="000000"/>
+                </a:solidFill>
+                <a:latin typeface="+mn-lt"/>
+                <a:cs typeface="+mn-cs"/>
+              </a:defRPr>
+            </a:lvl2pPr>
+            <a:lvl3pPr marL="1257300" indent="-342900" algn="l" defTabSz="457200" rtl="0" eaLnBrk="0" fontAlgn="base" hangingPunct="0">
+              <a:spcBef>
+                <a:spcPct val="0"/>
+              </a:spcBef>
+              <a:spcAft>
+                <a:spcPts val="850"/>
+              </a:spcAft>
+              <a:buClr>
+                <a:srgbClr val="000000"/>
+              </a:buClr>
+              <a:buSzPct val="100000"/>
+              <a:buFont typeface="Arial" charset="0"/>
+              <a:buChar char="•"/>
+              <a:defRPr sz="2400">
+                <a:solidFill>
+                  <a:srgbClr val="000000"/>
+                </a:solidFill>
+                <a:latin typeface="+mn-lt"/>
+                <a:cs typeface="+mn-cs"/>
+              </a:defRPr>
+            </a:lvl3pPr>
+            <a:lvl4pPr marL="1714500" indent="-342900" algn="l" defTabSz="457200" rtl="0" eaLnBrk="0" fontAlgn="base" hangingPunct="0">
+              <a:spcBef>
+                <a:spcPct val="0"/>
+              </a:spcBef>
+              <a:spcAft>
+                <a:spcPts val="575"/>
+              </a:spcAft>
+              <a:buClr>
+                <a:srgbClr val="000000"/>
+              </a:buClr>
+              <a:buSzPct val="100000"/>
+              <a:buFont typeface="Arial" charset="0"/>
+              <a:buChar char="•"/>
+              <a:defRPr sz="2000">
+                <a:solidFill>
+                  <a:srgbClr val="000000"/>
+                </a:solidFill>
+                <a:latin typeface="+mn-lt"/>
+                <a:cs typeface="+mn-cs"/>
+              </a:defRPr>
+            </a:lvl4pPr>
+            <a:lvl5pPr marL="2171700" indent="-342900" algn="l" defTabSz="457200" rtl="0" eaLnBrk="0" fontAlgn="base" hangingPunct="0">
+              <a:spcBef>
+                <a:spcPct val="0"/>
+              </a:spcBef>
+              <a:spcAft>
+                <a:spcPts val="288"/>
+              </a:spcAft>
+              <a:buClr>
+                <a:srgbClr val="000000"/>
+              </a:buClr>
+              <a:buSzPct val="100000"/>
+              <a:buFont typeface="Arial" charset="0"/>
+              <a:buChar char="•"/>
+              <a:defRPr sz="2000">
+                <a:solidFill>
+                  <a:srgbClr val="000000"/>
+                </a:solidFill>
+                <a:latin typeface="+mn-lt"/>
+                <a:cs typeface="+mn-cs"/>
+              </a:defRPr>
+            </a:lvl5pPr>
+            <a:lvl6pPr marL="2514600" indent="-228600" algn="l" defTabSz="457200" rtl="0" fontAlgn="base" hangingPunct="0">
+              <a:lnSpc>
+                <a:spcPct val="69000"/>
+              </a:lnSpc>
+              <a:spcBef>
+                <a:spcPct val="0"/>
+              </a:spcBef>
+              <a:spcAft>
+                <a:spcPts val="288"/>
+              </a:spcAft>
+              <a:buClr>
+                <a:srgbClr val="000000"/>
+              </a:buClr>
+              <a:buSzPct val="100000"/>
+              <a:buFont typeface="Times New Roman" pitchFamily="16" charset="0"/>
+              <a:defRPr sz="2000">
+                <a:solidFill>
+                  <a:srgbClr val="000000"/>
+                </a:solidFill>
+                <a:latin typeface="+mn-lt"/>
+                <a:cs typeface="+mn-cs"/>
+              </a:defRPr>
+            </a:lvl6pPr>
+            <a:lvl7pPr marL="2971800" indent="-228600" algn="l" defTabSz="457200" rtl="0" fontAlgn="base" hangingPunct="0">
+              <a:lnSpc>
+                <a:spcPct val="69000"/>
+              </a:lnSpc>
+              <a:spcBef>
+                <a:spcPct val="0"/>
+              </a:spcBef>
+              <a:spcAft>
+                <a:spcPts val="288"/>
+              </a:spcAft>
+              <a:buClr>
+                <a:srgbClr val="000000"/>
+              </a:buClr>
+              <a:buSzPct val="100000"/>
+              <a:buFont typeface="Times New Roman" pitchFamily="16" charset="0"/>
+              <a:defRPr sz="2000">
+                <a:solidFill>
+                  <a:srgbClr val="000000"/>
+                </a:solidFill>
+                <a:latin typeface="+mn-lt"/>
+                <a:cs typeface="+mn-cs"/>
+              </a:defRPr>
+            </a:lvl7pPr>
+            <a:lvl8pPr marL="3429000" indent="-228600" algn="l" defTabSz="457200" rtl="0" fontAlgn="base" hangingPunct="0">
+              <a:lnSpc>
+                <a:spcPct val="69000"/>
+              </a:lnSpc>
+              <a:spcBef>
+                <a:spcPct val="0"/>
+              </a:spcBef>
+              <a:spcAft>
+                <a:spcPts val="288"/>
+              </a:spcAft>
+              <a:buClr>
+                <a:srgbClr val="000000"/>
+              </a:buClr>
+              <a:buSzPct val="100000"/>
+              <a:buFont typeface="Times New Roman" pitchFamily="16" charset="0"/>
+              <a:defRPr sz="2000">
+                <a:solidFill>
+                  <a:srgbClr val="000000"/>
+                </a:solidFill>
+                <a:latin typeface="+mn-lt"/>
+                <a:cs typeface="+mn-cs"/>
+              </a:defRPr>
+            </a:lvl8pPr>
+            <a:lvl9pPr marL="3886200" indent="-228600" algn="l" defTabSz="457200" rtl="0" fontAlgn="base" hangingPunct="0">
+              <a:lnSpc>
+                <a:spcPct val="69000"/>
+              </a:lnSpc>
+              <a:spcBef>
+                <a:spcPct val="0"/>
+              </a:spcBef>
+              <a:spcAft>
+                <a:spcPts val="288"/>
+              </a:spcAft>
+              <a:buClr>
+                <a:srgbClr val="000000"/>
+              </a:buClr>
+              <a:buSzPct val="100000"/>
+              <a:buFont typeface="Times New Roman" pitchFamily="16" charset="0"/>
+              <a:defRPr sz="2000">
+                <a:solidFill>
+                  <a:srgbClr val="000000"/>
+                </a:solidFill>
+                <a:latin typeface="+mn-lt"/>
+                <a:cs typeface="+mn-cs"/>
+              </a:defRPr>
+            </a:lvl9pPr>
+          </a:lstStyle>
+          <a:p>
+            <a:pPr marL="0" indent="0" algn="ctr">
+              <a:lnSpc>
+                <a:spcPct val="100000"/>
+              </a:lnSpc>
+              <a:buFont typeface="Arial" charset="0"/>
+              <a:buNone/>
+            </a:pPr>
+            <a:r>
+              <a:rPr lang="en-US" b="1" u="sng" kern="0" dirty="0"/>
+              <a:t>Consumer</a:t>
+            </a:r>
+          </a:p>
+          <a:p>
+            <a:pPr marL="0" indent="0">
+              <a:lnSpc>
+                <a:spcPct val="100000"/>
+              </a:lnSpc>
+              <a:buFont typeface="Arial" charset="0"/>
+              <a:buNone/>
+            </a:pPr>
+            <a:r>
+              <a:rPr lang="en-US" kern="0" dirty="0"/>
+              <a:t>down(full)</a:t>
+            </a:r>
+          </a:p>
+          <a:p>
+            <a:pPr marL="0" indent="0">
+              <a:lnSpc>
+                <a:spcPct val="100000"/>
+              </a:lnSpc>
+              <a:buFont typeface="Arial" charset="0"/>
+              <a:buNone/>
+            </a:pPr>
+            <a:r>
+              <a:rPr lang="en-US" kern="0" dirty="0"/>
+              <a:t>down(</a:t>
+            </a:r>
+            <a:r>
+              <a:rPr lang="en-US" kern="0" dirty="0" err="1"/>
+              <a:t>sem</a:t>
+            </a:r>
+            <a:r>
+              <a:rPr lang="en-US" kern="0" dirty="0"/>
+              <a:t>)</a:t>
+            </a:r>
+          </a:p>
+          <a:p>
+            <a:pPr marL="0" indent="0">
+              <a:lnSpc>
+                <a:spcPct val="100000"/>
+              </a:lnSpc>
+              <a:buFont typeface="Arial" charset="0"/>
+              <a:buNone/>
+            </a:pPr>
+            <a:r>
+              <a:rPr lang="en-US" kern="0" dirty="0"/>
+              <a:t>Item = buffer[out]</a:t>
+            </a:r>
+          </a:p>
+          <a:p>
+            <a:pPr marL="0" indent="0">
+              <a:lnSpc>
+                <a:spcPct val="100000"/>
+              </a:lnSpc>
+              <a:buFont typeface="Arial" charset="0"/>
+              <a:buNone/>
+            </a:pPr>
+            <a:r>
+              <a:rPr lang="en-US" kern="0" dirty="0"/>
+              <a:t>out = (out + 1) % n</a:t>
+            </a:r>
+          </a:p>
+          <a:p>
+            <a:pPr marL="0" indent="0">
+              <a:lnSpc>
+                <a:spcPct val="100000"/>
+              </a:lnSpc>
+              <a:buFont typeface="Arial" charset="0"/>
+              <a:buNone/>
+            </a:pPr>
+            <a:r>
+              <a:rPr lang="en-US" kern="0" dirty="0"/>
+              <a:t>count--</a:t>
+            </a:r>
+          </a:p>
+          <a:p>
+            <a:pPr marL="0" indent="0">
+              <a:lnSpc>
+                <a:spcPct val="100000"/>
+              </a:lnSpc>
+              <a:buFont typeface="Arial" charset="0"/>
+              <a:buNone/>
+            </a:pPr>
+            <a:r>
+              <a:rPr lang="en-US" kern="0" dirty="0"/>
+              <a:t>up(</a:t>
+            </a:r>
+            <a:r>
+              <a:rPr lang="en-US" kern="0" dirty="0" err="1"/>
+              <a:t>sem</a:t>
+            </a:r>
+            <a:r>
+              <a:rPr lang="en-US" kern="0" dirty="0"/>
+              <a:t>)</a:t>
+            </a:r>
+          </a:p>
+          <a:p>
+            <a:pPr marL="0" indent="0">
+              <a:lnSpc>
+                <a:spcPct val="100000"/>
+              </a:lnSpc>
+              <a:buFont typeface="Arial" charset="0"/>
+              <a:buNone/>
+            </a:pPr>
+            <a:r>
+              <a:rPr lang="en-US" kern="0" dirty="0"/>
+              <a:t>up(full)</a:t>
+            </a:r>
+          </a:p>
+          <a:p>
+            <a:pPr marL="0" indent="0">
+              <a:lnSpc>
+                <a:spcPct val="100000"/>
+              </a:lnSpc>
+              <a:buFont typeface="Arial" charset="0"/>
+              <a:buNone/>
+            </a:pPr>
+            <a:endParaRPr lang="en-US" kern="0" dirty="0"/>
+          </a:p>
+        </p:txBody>
+      </p:sp>
     </p:spTree>
     <p:extLst>
       <p:ext uri="{BB962C8B-B14F-4D97-AF65-F5344CB8AC3E}">
         <p14:creationId xmlns:p14="http://schemas.microsoft.com/office/powerpoint/2010/main" val="401523692"/>
+      </p:ext>
+    </p:extLst>
+  </p:cSld>
+  <p:clrMapOvr>
+    <a:masterClrMapping/>
+  </p:clrMapOvr>
+</p:sld>
+</file>
+
+<file path=ppt/slides/slide12.xml><?xml version="1.0" encoding="utf-8"?>
+<p:sld xmlns:a="http://schemas.openxmlformats.org/drawingml/2006/main" xmlns:r="http://schemas.openxmlformats.org/officeDocument/2006/relationships" xmlns:p="http://schemas.openxmlformats.org/presentationml/2006/main">
+  <p:cSld>
+    <p:spTree>
+      <p:nvGrpSpPr>
+        <p:cNvPr id="1" name=""/>
+        <p:cNvGrpSpPr/>
+        <p:nvPr/>
+      </p:nvGrpSpPr>
+      <p:grpSpPr>
+        <a:xfrm>
+          <a:off x="0" y="0"/>
+          <a:ext cx="0" cy="0"/>
+          <a:chOff x="0" y="0"/>
+          <a:chExt cx="0" cy="0"/>
+        </a:xfrm>
+      </p:grpSpPr>
+      <p:sp>
+        <p:nvSpPr>
+          <p:cNvPr id="2" name="Title 1">
+            <a:extLst>
+              <a:ext uri="{FF2B5EF4-FFF2-40B4-BE49-F238E27FC236}">
+                <a16:creationId xmlns:a16="http://schemas.microsoft.com/office/drawing/2014/main" id="{8EA8CF8B-B1F2-4B0F-86B6-D32922BA2A53}"/>
+              </a:ext>
+            </a:extLst>
+          </p:cNvPr>
+          <p:cNvSpPr>
+            <a:spLocks noGrp="1"/>
+          </p:cNvSpPr>
+          <p:nvPr>
+            <p:ph type="title"/>
+          </p:nvPr>
+        </p:nvSpPr>
+        <p:spPr/>
+        <p:txBody>
+          <a:bodyPr/>
+          <a:lstStyle/>
+          <a:p>
+            <a:r>
+              <a:rPr lang="en-US" dirty="0"/>
+              <a:t>Is this sequence feasible?</a:t>
+            </a:r>
+          </a:p>
+        </p:txBody>
+      </p:sp>
+      <p:sp>
+        <p:nvSpPr>
+          <p:cNvPr id="3" name="Content Placeholder 2">
+            <a:extLst>
+              <a:ext uri="{FF2B5EF4-FFF2-40B4-BE49-F238E27FC236}">
+                <a16:creationId xmlns:a16="http://schemas.microsoft.com/office/drawing/2014/main" id="{45D402E1-232C-4373-88A2-85A6A0CE49D1}"/>
+              </a:ext>
+            </a:extLst>
+          </p:cNvPr>
+          <p:cNvSpPr>
+            <a:spLocks noGrp="1"/>
+          </p:cNvSpPr>
+          <p:nvPr>
+            <p:ph idx="1"/>
+          </p:nvPr>
+        </p:nvSpPr>
+        <p:spPr/>
+        <p:txBody>
+          <a:bodyPr>
+            <a:normAutofit fontScale="92500" lnSpcReduction="20000"/>
+          </a:bodyPr>
+          <a:lstStyle/>
+          <a:p>
+            <a:pPr marL="0" indent="0">
+              <a:buNone/>
+            </a:pPr>
+            <a:r>
+              <a:rPr lang="en-US" dirty="0"/>
+              <a:t>n == 3</a:t>
+            </a:r>
+          </a:p>
+          <a:p>
+            <a:pPr marL="0" indent="0">
+              <a:buNone/>
+            </a:pPr>
+            <a:r>
+              <a:rPr lang="en-US" dirty="0"/>
+              <a:t>for (</a:t>
+            </a:r>
+            <a:r>
+              <a:rPr lang="en-US" dirty="0" err="1"/>
+              <a:t>i</a:t>
+            </a:r>
+            <a:r>
+              <a:rPr lang="en-US" dirty="0"/>
+              <a:t>=0; </a:t>
+            </a:r>
+            <a:r>
+              <a:rPr lang="en-US" dirty="0" err="1"/>
+              <a:t>i</a:t>
+            </a:r>
+            <a:r>
+              <a:rPr lang="en-US" dirty="0"/>
+              <a:t>&lt;3; </a:t>
+            </a:r>
+            <a:r>
+              <a:rPr lang="en-US" dirty="0" err="1"/>
+              <a:t>i</a:t>
+            </a:r>
+            <a:r>
+              <a:rPr lang="en-US" dirty="0"/>
+              <a:t>++){</a:t>
+            </a:r>
+          </a:p>
+          <a:p>
+            <a:pPr marL="0" indent="0">
+              <a:buNone/>
+            </a:pPr>
+            <a:r>
+              <a:rPr lang="en-US" dirty="0"/>
+              <a:t>   Pi arrives</a:t>
+            </a:r>
+          </a:p>
+          <a:p>
+            <a:pPr marL="0" indent="0">
+              <a:buNone/>
+            </a:pPr>
+            <a:r>
+              <a:rPr lang="en-US" dirty="0"/>
+              <a:t>   Pi enters</a:t>
+            </a:r>
+          </a:p>
+          <a:p>
+            <a:pPr marL="0" indent="0">
+              <a:buNone/>
+            </a:pPr>
+            <a:r>
+              <a:rPr lang="en-US" dirty="0"/>
+              <a:t>   Pi leaves</a:t>
+            </a:r>
+          </a:p>
+          <a:p>
+            <a:pPr marL="0" indent="0">
+              <a:buNone/>
+            </a:pPr>
+            <a:r>
+              <a:rPr lang="en-US" dirty="0"/>
+              <a:t>}</a:t>
+            </a:r>
+          </a:p>
+          <a:p>
+            <a:pPr marL="0" indent="0">
+              <a:buNone/>
+            </a:pPr>
+            <a:r>
+              <a:rPr lang="en-US" dirty="0"/>
+              <a:t>P3 arrives</a:t>
+            </a:r>
+          </a:p>
+          <a:p>
+            <a:pPr marL="0" indent="0">
+              <a:buNone/>
+            </a:pPr>
+            <a:r>
+              <a:rPr lang="en-US" dirty="0"/>
+              <a:t>C0 arrives</a:t>
+            </a:r>
+          </a:p>
+          <a:p>
+            <a:pPr marL="0" indent="0">
+              <a:buNone/>
+            </a:pPr>
+            <a:r>
+              <a:rPr lang="en-US" dirty="0"/>
+              <a:t>C0 enters</a:t>
+            </a:r>
+          </a:p>
+          <a:p>
+            <a:pPr marL="0" indent="0">
+              <a:buNone/>
+            </a:pPr>
+            <a:r>
+              <a:rPr lang="en-US" dirty="0"/>
+              <a:t>C0 leaves</a:t>
+            </a:r>
+          </a:p>
+          <a:p>
+            <a:pPr marL="0" indent="0">
+              <a:buNone/>
+            </a:pPr>
+            <a:r>
+              <a:rPr lang="en-US" dirty="0"/>
+              <a:t>P3 enters</a:t>
+            </a:r>
+          </a:p>
+          <a:p>
+            <a:pPr marL="0" indent="0">
+              <a:buNone/>
+            </a:pPr>
+            <a:r>
+              <a:rPr lang="en-US" dirty="0"/>
+              <a:t>P3 leaves</a:t>
+            </a:r>
+          </a:p>
+          <a:p>
+            <a:pPr marL="0" indent="0">
+              <a:buNone/>
+            </a:pPr>
+            <a:endParaRPr lang="en-US" dirty="0"/>
+          </a:p>
+        </p:txBody>
+      </p:sp>
+      <p:sp>
+        <p:nvSpPr>
+          <p:cNvPr id="4" name="Footer Placeholder 3">
+            <a:extLst>
+              <a:ext uri="{FF2B5EF4-FFF2-40B4-BE49-F238E27FC236}">
+                <a16:creationId xmlns:a16="http://schemas.microsoft.com/office/drawing/2014/main" id="{5F3845A7-2557-49B1-9DC1-B2959389A1C2}"/>
+              </a:ext>
+            </a:extLst>
+          </p:cNvPr>
+          <p:cNvSpPr>
+            <a:spLocks noGrp="1"/>
+          </p:cNvSpPr>
+          <p:nvPr>
+            <p:ph type="ftr" idx="11"/>
+          </p:nvPr>
+        </p:nvSpPr>
+        <p:spPr/>
+        <p:txBody>
+          <a:bodyPr/>
+          <a:lstStyle/>
+          <a:p>
+            <a:pPr marL="0" marR="0" lvl="0" indent="0" algn="ctr" defTabSz="457200" rtl="0" eaLnBrk="1" fontAlgn="base" latinLnBrk="0" hangingPunct="0">
+              <a:lnSpc>
+                <a:spcPct val="96000"/>
+              </a:lnSpc>
+              <a:spcBef>
+                <a:spcPct val="0"/>
+              </a:spcBef>
+              <a:spcAft>
+                <a:spcPct val="0"/>
+              </a:spcAft>
+              <a:buClr>
+                <a:srgbClr val="000000"/>
+              </a:buClr>
+              <a:buSzPct val="100000"/>
+              <a:buFont typeface="Times New Roman" pitchFamily="16" charset="0"/>
+              <a:buNone/>
+              <a:tabLst>
+                <a:tab pos="0" algn="l"/>
+                <a:tab pos="457200" algn="l"/>
+                <a:tab pos="914400" algn="l"/>
+                <a:tab pos="1371600" algn="l"/>
+                <a:tab pos="1828800" algn="l"/>
+                <a:tab pos="2286000" algn="l"/>
+                <a:tab pos="2743200" algn="l"/>
+                <a:tab pos="3200400" algn="l"/>
+                <a:tab pos="3657600" algn="l"/>
+                <a:tab pos="4114800" algn="l"/>
+                <a:tab pos="4572000" algn="l"/>
+                <a:tab pos="5029200" algn="l"/>
+                <a:tab pos="5486400" algn="l"/>
+                <a:tab pos="5943600" algn="l"/>
+                <a:tab pos="6400800" algn="l"/>
+                <a:tab pos="6858000" algn="l"/>
+                <a:tab pos="7315200" algn="l"/>
+                <a:tab pos="7772400" algn="l"/>
+                <a:tab pos="8229600" algn="l"/>
+                <a:tab pos="8686800" algn="l"/>
+                <a:tab pos="9144000" algn="l"/>
+              </a:tabLst>
+              <a:defRPr/>
+            </a:pPr>
+            <a:r>
+              <a:rPr kumimoji="0" lang="en-US" sz="1400" b="0" i="0" u="none" strike="noStrike" kern="1200" cap="none" spc="0" normalizeH="0" baseline="0" noProof="0">
+                <a:ln>
+                  <a:noFill/>
+                </a:ln>
+                <a:solidFill>
+                  <a:srgbClr val="000000"/>
+                </a:solidFill>
+                <a:effectLst/>
+                <a:uLnTx/>
+                <a:uFillTx/>
+                <a:latin typeface="Arial"/>
+                <a:ea typeface="+mn-ea"/>
+                <a:cs typeface="Arial" charset="0"/>
+              </a:rPr>
+              <a:t>CS 1550 – Operating Systems – Sherif Khattab</a:t>
+            </a:r>
+            <a:endParaRPr kumimoji="0" lang="en-GB" sz="1400" b="0" i="0" u="none" strike="noStrike" kern="1200" cap="none" spc="0" normalizeH="0" baseline="0" noProof="0">
+              <a:ln>
+                <a:noFill/>
+              </a:ln>
+              <a:solidFill>
+                <a:srgbClr val="000000"/>
+              </a:solidFill>
+              <a:effectLst/>
+              <a:uLnTx/>
+              <a:uFillTx/>
+              <a:latin typeface="Times New Roman" pitchFamily="16" charset="0"/>
+              <a:ea typeface="+mn-ea"/>
+              <a:cs typeface="Arial" charset="0"/>
+            </a:endParaRPr>
+          </a:p>
+        </p:txBody>
+      </p:sp>
+    </p:spTree>
+    <p:extLst>
+      <p:ext uri="{BB962C8B-B14F-4D97-AF65-F5344CB8AC3E}">
+        <p14:creationId xmlns:p14="http://schemas.microsoft.com/office/powerpoint/2010/main" val="492404092"/>
+      </p:ext>
+    </p:extLst>
+  </p:cSld>
+  <p:clrMapOvr>
+    <a:masterClrMapping/>
+  </p:clrMapOvr>
+</p:sld>
+</file>
+
+<file path=ppt/slides/slide13.xml><?xml version="1.0" encoding="utf-8"?>
+<p:sld xmlns:a="http://schemas.openxmlformats.org/drawingml/2006/main" xmlns:r="http://schemas.openxmlformats.org/officeDocument/2006/relationships" xmlns:p="http://schemas.openxmlformats.org/presentationml/2006/main">
+  <p:cSld>
+    <p:spTree>
+      <p:nvGrpSpPr>
+        <p:cNvPr id="1" name=""/>
+        <p:cNvGrpSpPr/>
+        <p:nvPr/>
+      </p:nvGrpSpPr>
+      <p:grpSpPr>
+        <a:xfrm>
+          <a:off x="0" y="0"/>
+          <a:ext cx="0" cy="0"/>
+          <a:chOff x="0" y="0"/>
+          <a:chExt cx="0" cy="0"/>
+        </a:xfrm>
+      </p:grpSpPr>
+      <p:sp>
+        <p:nvSpPr>
+          <p:cNvPr id="2" name="Title 1">
+            <a:extLst>
+              <a:ext uri="{FF2B5EF4-FFF2-40B4-BE49-F238E27FC236}">
+                <a16:creationId xmlns:a16="http://schemas.microsoft.com/office/drawing/2014/main" id="{C9858C67-D4AE-4248-BE76-AB32777E60D2}"/>
+              </a:ext>
+            </a:extLst>
+          </p:cNvPr>
+          <p:cNvSpPr>
+            <a:spLocks noGrp="1"/>
+          </p:cNvSpPr>
+          <p:nvPr>
+            <p:ph type="title"/>
+          </p:nvPr>
+        </p:nvSpPr>
+        <p:spPr/>
+        <p:txBody>
+          <a:bodyPr/>
+          <a:lstStyle/>
+          <a:p>
+            <a:r>
+              <a:rPr lang="en-US" dirty="0"/>
+              <a:t>Solution</a:t>
+            </a:r>
+          </a:p>
+        </p:txBody>
+      </p:sp>
+      <p:sp>
+        <p:nvSpPr>
+          <p:cNvPr id="3" name="Content Placeholder 2">
+            <a:extLst>
+              <a:ext uri="{FF2B5EF4-FFF2-40B4-BE49-F238E27FC236}">
+                <a16:creationId xmlns:a16="http://schemas.microsoft.com/office/drawing/2014/main" id="{FBFE21D9-18E9-4186-982C-9B73CD8929E5}"/>
+              </a:ext>
+            </a:extLst>
+          </p:cNvPr>
+          <p:cNvSpPr>
+            <a:spLocks noGrp="1"/>
+          </p:cNvSpPr>
+          <p:nvPr>
+            <p:ph idx="1"/>
+          </p:nvPr>
+        </p:nvSpPr>
+        <p:spPr/>
+        <p:txBody>
+          <a:bodyPr>
+            <a:normAutofit fontScale="92500" lnSpcReduction="10000"/>
+          </a:bodyPr>
+          <a:lstStyle/>
+          <a:p>
+            <a:r>
+              <a:rPr lang="en-US" dirty="0"/>
+              <a:t>Condition Variable</a:t>
+            </a:r>
+          </a:p>
+          <a:p>
+            <a:pPr lvl="1"/>
+            <a:r>
+              <a:rPr lang="en-US" dirty="0"/>
+              <a:t>Yet another construct (Add to Spinlock and Semaphore)</a:t>
+            </a:r>
+          </a:p>
+          <a:p>
+            <a:pPr lvl="1"/>
+            <a:r>
+              <a:rPr lang="en-US" dirty="0"/>
+              <a:t>Has 3 operations</a:t>
+            </a:r>
+          </a:p>
+          <a:p>
+            <a:pPr lvl="2"/>
+            <a:r>
+              <a:rPr lang="en-US" dirty="0"/>
+              <a:t>These 3 operations have to be called while holding a mutex lock</a:t>
+            </a:r>
+          </a:p>
+          <a:p>
+            <a:pPr lvl="2"/>
+            <a:r>
+              <a:rPr lang="en-US" dirty="0"/>
+              <a:t>wait()</a:t>
+            </a:r>
+          </a:p>
+          <a:p>
+            <a:pPr lvl="3"/>
+            <a:r>
+              <a:rPr lang="en-US" dirty="0"/>
+              <a:t>unlock mutex</a:t>
+            </a:r>
+          </a:p>
+          <a:p>
+            <a:pPr lvl="3"/>
+            <a:r>
+              <a:rPr lang="en-US" dirty="0"/>
+              <a:t>block process</a:t>
+            </a:r>
+          </a:p>
+          <a:p>
+            <a:pPr lvl="3"/>
+            <a:r>
+              <a:rPr lang="en-US" dirty="0"/>
+              <a:t>when awake, relock mutex</a:t>
+            </a:r>
+          </a:p>
+          <a:p>
+            <a:pPr lvl="3"/>
+            <a:r>
+              <a:rPr lang="en-US" dirty="0"/>
+              <a:t>when successful, return</a:t>
+            </a:r>
+          </a:p>
+          <a:p>
+            <a:pPr lvl="2"/>
+            <a:r>
+              <a:rPr lang="en-US" dirty="0"/>
+              <a:t>signal()</a:t>
+            </a:r>
+          </a:p>
+          <a:p>
+            <a:pPr lvl="3"/>
+            <a:r>
+              <a:rPr lang="en-US" dirty="0"/>
+              <a:t>wakeup one waiting process in the condition variable’s queue if any</a:t>
+            </a:r>
+          </a:p>
+          <a:p>
+            <a:pPr lvl="2"/>
+            <a:r>
+              <a:rPr lang="en-US" dirty="0"/>
+              <a:t>broadcast()</a:t>
+            </a:r>
+          </a:p>
+          <a:p>
+            <a:pPr lvl="3"/>
+            <a:r>
+              <a:rPr lang="en-US" dirty="0"/>
+              <a:t>wakeup all waiting processes in the condition variable’s queue if any</a:t>
+            </a:r>
+          </a:p>
+          <a:p>
+            <a:pPr lvl="1"/>
+            <a:r>
+              <a:rPr lang="en-US" dirty="0"/>
+              <a:t>Not foreign to us at all</a:t>
+            </a:r>
+          </a:p>
+          <a:p>
+            <a:pPr lvl="2"/>
+            <a:r>
+              <a:rPr lang="en-US" dirty="0"/>
+              <a:t>Every object variable in Java is a Condition Variable</a:t>
+            </a:r>
+          </a:p>
+        </p:txBody>
+      </p:sp>
+      <p:sp>
+        <p:nvSpPr>
+          <p:cNvPr id="4" name="Footer Placeholder 3">
+            <a:extLst>
+              <a:ext uri="{FF2B5EF4-FFF2-40B4-BE49-F238E27FC236}">
+                <a16:creationId xmlns:a16="http://schemas.microsoft.com/office/drawing/2014/main" id="{AC475B04-ED99-48AD-86DB-4D667DAA42CD}"/>
+              </a:ext>
+            </a:extLst>
+          </p:cNvPr>
+          <p:cNvSpPr>
+            <a:spLocks noGrp="1"/>
+          </p:cNvSpPr>
+          <p:nvPr>
+            <p:ph type="ftr" idx="11"/>
+          </p:nvPr>
+        </p:nvSpPr>
+        <p:spPr/>
+        <p:txBody>
+          <a:bodyPr/>
+          <a:lstStyle/>
+          <a:p>
+            <a:pPr>
+              <a:defRPr/>
+            </a:pPr>
+            <a:r>
+              <a:rPr lang="en-US">
+                <a:latin typeface="+mn-lt"/>
+              </a:rPr>
+              <a:t>CS 1550 – Operating Systems – Sherif Khattab</a:t>
+            </a:r>
+            <a:endParaRPr lang="en-GB"/>
+          </a:p>
+        </p:txBody>
+      </p:sp>
+    </p:spTree>
+    <p:extLst>
+      <p:ext uri="{BB962C8B-B14F-4D97-AF65-F5344CB8AC3E}">
+        <p14:creationId xmlns:p14="http://schemas.microsoft.com/office/powerpoint/2010/main" val="1978042385"/>
+      </p:ext>
+    </p:extLst>
+  </p:cSld>
+  <p:clrMapOvr>
+    <a:masterClrMapping/>
+  </p:clrMapOvr>
+  <p:timing>
+    <p:tnLst>
+      <p:par>
+        <p:cTn id="1" dur="indefinite" restart="never" nodeType="tmRoot">
+          <p:childTnLst>
+            <p:seq concurrent="1" nextAc="seek">
+              <p:cTn id="2" dur="indefinite" nodeType="mainSeq">
+                <p:childTnLst>
+                  <p:par>
+                    <p:cTn id="3" fill="hold">
+                      <p:stCondLst>
+                        <p:cond delay="indefinite"/>
+                      </p:stCondLst>
+                      <p:childTnLst>
+                        <p:par>
+                          <p:cTn id="4" fill="hold">
+                            <p:stCondLst>
+                              <p:cond delay="0"/>
+                            </p:stCondLst>
+                            <p:childTnLst>
+                              <p:par>
+                                <p:cTn id="5" presetID="1" presetClass="entr" presetSubtype="0" fill="hold" nodeType="clickEffect">
+                                  <p:stCondLst>
+                                    <p:cond delay="0"/>
+                                  </p:stCondLst>
+                                  <p:childTnLst>
+                                    <p:set>
+                                      <p:cBhvr>
+                                        <p:cTn id="6" dur="1" fill="hold">
+                                          <p:stCondLst>
+                                            <p:cond delay="0"/>
+                                          </p:stCondLst>
+                                        </p:cTn>
+                                        <p:tgtEl>
+                                          <p:spTgt spid="3">
+                                            <p:txEl>
+                                              <p:pRg st="0" end="0"/>
+                                            </p:txEl>
+                                          </p:spTgt>
+                                        </p:tgtEl>
+                                        <p:attrNameLst>
+                                          <p:attrName>style.visibility</p:attrName>
+                                        </p:attrNameLst>
+                                      </p:cBhvr>
+                                      <p:to>
+                                        <p:strVal val="visible"/>
+                                      </p:to>
+                                    </p:set>
+                                  </p:childTnLst>
+                                </p:cTn>
+                              </p:par>
+                            </p:childTnLst>
+                          </p:cTn>
+                        </p:par>
+                      </p:childTnLst>
+                    </p:cTn>
+                  </p:par>
+                  <p:par>
+                    <p:cTn id="7" fill="hold">
+                      <p:stCondLst>
+                        <p:cond delay="indefinite"/>
+                      </p:stCondLst>
+                      <p:childTnLst>
+                        <p:par>
+                          <p:cTn id="8" fill="hold">
+                            <p:stCondLst>
+                              <p:cond delay="0"/>
+                            </p:stCondLst>
+                            <p:childTnLst>
+                              <p:par>
+                                <p:cTn id="9" presetID="1" presetClass="entr" presetSubtype="0" fill="hold" nodeType="clickEffect">
+                                  <p:stCondLst>
+                                    <p:cond delay="0"/>
+                                  </p:stCondLst>
+                                  <p:childTnLst>
+                                    <p:set>
+                                      <p:cBhvr>
+                                        <p:cTn id="10" dur="1" fill="hold">
+                                          <p:stCondLst>
+                                            <p:cond delay="0"/>
+                                          </p:stCondLst>
+                                        </p:cTn>
+                                        <p:tgtEl>
+                                          <p:spTgt spid="3">
+                                            <p:txEl>
+                                              <p:pRg st="1" end="1"/>
+                                            </p:txEl>
+                                          </p:spTgt>
+                                        </p:tgtEl>
+                                        <p:attrNameLst>
+                                          <p:attrName>style.visibility</p:attrName>
+                                        </p:attrNameLst>
+                                      </p:cBhvr>
+                                      <p:to>
+                                        <p:strVal val="visible"/>
+                                      </p:to>
+                                    </p:set>
+                                  </p:childTnLst>
+                                </p:cTn>
+                              </p:par>
+                            </p:childTnLst>
+                          </p:cTn>
+                        </p:par>
+                      </p:childTnLst>
+                    </p:cTn>
+                  </p:par>
+                  <p:par>
+                    <p:cTn id="11" fill="hold">
+                      <p:stCondLst>
+                        <p:cond delay="indefinite"/>
+                      </p:stCondLst>
+                      <p:childTnLst>
+                        <p:par>
+                          <p:cTn id="12" fill="hold">
+                            <p:stCondLst>
+                              <p:cond delay="0"/>
+                            </p:stCondLst>
+                            <p:childTnLst>
+                              <p:par>
+                                <p:cTn id="13" presetID="1" presetClass="entr" presetSubtype="0" fill="hold" nodeType="clickEffect">
+                                  <p:stCondLst>
+                                    <p:cond delay="0"/>
+                                  </p:stCondLst>
+                                  <p:childTnLst>
+                                    <p:set>
+                                      <p:cBhvr>
+                                        <p:cTn id="14" dur="1" fill="hold">
+                                          <p:stCondLst>
+                                            <p:cond delay="0"/>
+                                          </p:stCondLst>
+                                        </p:cTn>
+                                        <p:tgtEl>
+                                          <p:spTgt spid="3">
+                                            <p:txEl>
+                                              <p:pRg st="2" end="2"/>
+                                            </p:txEl>
+                                          </p:spTgt>
+                                        </p:tgtEl>
+                                        <p:attrNameLst>
+                                          <p:attrName>style.visibility</p:attrName>
+                                        </p:attrNameLst>
+                                      </p:cBhvr>
+                                      <p:to>
+                                        <p:strVal val="visible"/>
+                                      </p:to>
+                                    </p:set>
+                                  </p:childTnLst>
+                                </p:cTn>
+                              </p:par>
+                            </p:childTnLst>
+                          </p:cTn>
+                        </p:par>
+                      </p:childTnLst>
+                    </p:cTn>
+                  </p:par>
+                  <p:par>
+                    <p:cTn id="15" fill="hold">
+                      <p:stCondLst>
+                        <p:cond delay="indefinite"/>
+                      </p:stCondLst>
+                      <p:childTnLst>
+                        <p:par>
+                          <p:cTn id="16" fill="hold">
+                            <p:stCondLst>
+                              <p:cond delay="0"/>
+                            </p:stCondLst>
+                            <p:childTnLst>
+                              <p:par>
+                                <p:cTn id="17" presetID="1" presetClass="entr" presetSubtype="0" fill="hold" nodeType="clickEffect">
+                                  <p:stCondLst>
+                                    <p:cond delay="0"/>
+                                  </p:stCondLst>
+                                  <p:childTnLst>
+                                    <p:set>
+                                      <p:cBhvr>
+                                        <p:cTn id="18" dur="1" fill="hold">
+                                          <p:stCondLst>
+                                            <p:cond delay="0"/>
+                                          </p:stCondLst>
+                                        </p:cTn>
+                                        <p:tgtEl>
+                                          <p:spTgt spid="3">
+                                            <p:txEl>
+                                              <p:pRg st="3" end="3"/>
+                                            </p:txEl>
+                                          </p:spTgt>
+                                        </p:tgtEl>
+                                        <p:attrNameLst>
+                                          <p:attrName>style.visibility</p:attrName>
+                                        </p:attrNameLst>
+                                      </p:cBhvr>
+                                      <p:to>
+                                        <p:strVal val="visible"/>
+                                      </p:to>
+                                    </p:set>
+                                  </p:childTnLst>
+                                </p:cTn>
+                              </p:par>
+                            </p:childTnLst>
+                          </p:cTn>
+                        </p:par>
+                      </p:childTnLst>
+                    </p:cTn>
+                  </p:par>
+                  <p:par>
+                    <p:cTn id="19" fill="hold">
+                      <p:stCondLst>
+                        <p:cond delay="indefinite"/>
+                      </p:stCondLst>
+                      <p:childTnLst>
+                        <p:par>
+                          <p:cTn id="20" fill="hold">
+                            <p:stCondLst>
+                              <p:cond delay="0"/>
+                            </p:stCondLst>
+                            <p:childTnLst>
+                              <p:par>
+                                <p:cTn id="21" presetID="1" presetClass="entr" presetSubtype="0" fill="hold" nodeType="clickEffect">
+                                  <p:stCondLst>
+                                    <p:cond delay="0"/>
+                                  </p:stCondLst>
+                                  <p:childTnLst>
+                                    <p:set>
+                                      <p:cBhvr>
+                                        <p:cTn id="22" dur="1" fill="hold">
+                                          <p:stCondLst>
+                                            <p:cond delay="0"/>
+                                          </p:stCondLst>
+                                        </p:cTn>
+                                        <p:tgtEl>
+                                          <p:spTgt spid="3">
+                                            <p:txEl>
+                                              <p:pRg st="4" end="4"/>
+                                            </p:txEl>
+                                          </p:spTgt>
+                                        </p:tgtEl>
+                                        <p:attrNameLst>
+                                          <p:attrName>style.visibility</p:attrName>
+                                        </p:attrNameLst>
+                                      </p:cBhvr>
+                                      <p:to>
+                                        <p:strVal val="visible"/>
+                                      </p:to>
+                                    </p:set>
+                                  </p:childTnLst>
+                                </p:cTn>
+                              </p:par>
+                            </p:childTnLst>
+                          </p:cTn>
+                        </p:par>
+                      </p:childTnLst>
+                    </p:cTn>
+                  </p:par>
+                  <p:par>
+                    <p:cTn id="23" fill="hold">
+                      <p:stCondLst>
+                        <p:cond delay="indefinite"/>
+                      </p:stCondLst>
+                      <p:childTnLst>
+                        <p:par>
+                          <p:cTn id="24" fill="hold">
+                            <p:stCondLst>
+                              <p:cond delay="0"/>
+                            </p:stCondLst>
+                            <p:childTnLst>
+                              <p:par>
+                                <p:cTn id="25" presetID="1" presetClass="entr" presetSubtype="0" fill="hold" nodeType="clickEffect">
+                                  <p:stCondLst>
+                                    <p:cond delay="0"/>
+                                  </p:stCondLst>
+                                  <p:childTnLst>
+                                    <p:set>
+                                      <p:cBhvr>
+                                        <p:cTn id="26" dur="1" fill="hold">
+                                          <p:stCondLst>
+                                            <p:cond delay="0"/>
+                                          </p:stCondLst>
+                                        </p:cTn>
+                                        <p:tgtEl>
+                                          <p:spTgt spid="3">
+                                            <p:txEl>
+                                              <p:pRg st="5" end="5"/>
+                                            </p:txEl>
+                                          </p:spTgt>
+                                        </p:tgtEl>
+                                        <p:attrNameLst>
+                                          <p:attrName>style.visibility</p:attrName>
+                                        </p:attrNameLst>
+                                      </p:cBhvr>
+                                      <p:to>
+                                        <p:strVal val="visible"/>
+                                      </p:to>
+                                    </p:set>
+                                  </p:childTnLst>
+                                </p:cTn>
+                              </p:par>
+                            </p:childTnLst>
+                          </p:cTn>
+                        </p:par>
+                      </p:childTnLst>
+                    </p:cTn>
+                  </p:par>
+                  <p:par>
+                    <p:cTn id="27" fill="hold">
+                      <p:stCondLst>
+                        <p:cond delay="indefinite"/>
+                      </p:stCondLst>
+                      <p:childTnLst>
+                        <p:par>
+                          <p:cTn id="28" fill="hold">
+                            <p:stCondLst>
+                              <p:cond delay="0"/>
+                            </p:stCondLst>
+                            <p:childTnLst>
+                              <p:par>
+                                <p:cTn id="29" presetID="1" presetClass="entr" presetSubtype="0" fill="hold" nodeType="clickEffect">
+                                  <p:stCondLst>
+                                    <p:cond delay="0"/>
+                                  </p:stCondLst>
+                                  <p:childTnLst>
+                                    <p:set>
+                                      <p:cBhvr>
+                                        <p:cTn id="30" dur="1" fill="hold">
+                                          <p:stCondLst>
+                                            <p:cond delay="0"/>
+                                          </p:stCondLst>
+                                        </p:cTn>
+                                        <p:tgtEl>
+                                          <p:spTgt spid="3">
+                                            <p:txEl>
+                                              <p:pRg st="6" end="6"/>
+                                            </p:txEl>
+                                          </p:spTgt>
+                                        </p:tgtEl>
+                                        <p:attrNameLst>
+                                          <p:attrName>style.visibility</p:attrName>
+                                        </p:attrNameLst>
+                                      </p:cBhvr>
+                                      <p:to>
+                                        <p:strVal val="visible"/>
+                                      </p:to>
+                                    </p:set>
+                                  </p:childTnLst>
+                                </p:cTn>
+                              </p:par>
+                            </p:childTnLst>
+                          </p:cTn>
+                        </p:par>
+                      </p:childTnLst>
+                    </p:cTn>
+                  </p:par>
+                  <p:par>
+                    <p:cTn id="31" fill="hold">
+                      <p:stCondLst>
+                        <p:cond delay="indefinite"/>
+                      </p:stCondLst>
+                      <p:childTnLst>
+                        <p:par>
+                          <p:cTn id="32" fill="hold">
+                            <p:stCondLst>
+                              <p:cond delay="0"/>
+                            </p:stCondLst>
+                            <p:childTnLst>
+                              <p:par>
+                                <p:cTn id="33" presetID="1" presetClass="entr" presetSubtype="0" fill="hold" nodeType="clickEffect">
+                                  <p:stCondLst>
+                                    <p:cond delay="0"/>
+                                  </p:stCondLst>
+                                  <p:childTnLst>
+                                    <p:set>
+                                      <p:cBhvr>
+                                        <p:cTn id="34" dur="1" fill="hold">
+                                          <p:stCondLst>
+                                            <p:cond delay="0"/>
+                                          </p:stCondLst>
+                                        </p:cTn>
+                                        <p:tgtEl>
+                                          <p:spTgt spid="3">
+                                            <p:txEl>
+                                              <p:pRg st="7" end="7"/>
+                                            </p:txEl>
+                                          </p:spTgt>
+                                        </p:tgtEl>
+                                        <p:attrNameLst>
+                                          <p:attrName>style.visibility</p:attrName>
+                                        </p:attrNameLst>
+                                      </p:cBhvr>
+                                      <p:to>
+                                        <p:strVal val="visible"/>
+                                      </p:to>
+                                    </p:set>
+                                  </p:childTnLst>
+                                </p:cTn>
+                              </p:par>
+                            </p:childTnLst>
+                          </p:cTn>
+                        </p:par>
+                      </p:childTnLst>
+                    </p:cTn>
+                  </p:par>
+                  <p:par>
+                    <p:cTn id="35" fill="hold">
+                      <p:stCondLst>
+                        <p:cond delay="indefinite"/>
+                      </p:stCondLst>
+                      <p:childTnLst>
+                        <p:par>
+                          <p:cTn id="36" fill="hold">
+                            <p:stCondLst>
+                              <p:cond delay="0"/>
+                            </p:stCondLst>
+                            <p:childTnLst>
+                              <p:par>
+                                <p:cTn id="37" presetID="1" presetClass="entr" presetSubtype="0" fill="hold" nodeType="clickEffect">
+                                  <p:stCondLst>
+                                    <p:cond delay="0"/>
+                                  </p:stCondLst>
+                                  <p:childTnLst>
+                                    <p:set>
+                                      <p:cBhvr>
+                                        <p:cTn id="38" dur="1" fill="hold">
+                                          <p:stCondLst>
+                                            <p:cond delay="0"/>
+                                          </p:stCondLst>
+                                        </p:cTn>
+                                        <p:tgtEl>
+                                          <p:spTgt spid="3">
+                                            <p:txEl>
+                                              <p:pRg st="8" end="8"/>
+                                            </p:txEl>
+                                          </p:spTgt>
+                                        </p:tgtEl>
+                                        <p:attrNameLst>
+                                          <p:attrName>style.visibility</p:attrName>
+                                        </p:attrNameLst>
+                                      </p:cBhvr>
+                                      <p:to>
+                                        <p:strVal val="visible"/>
+                                      </p:to>
+                                    </p:set>
+                                  </p:childTnLst>
+                                </p:cTn>
+                              </p:par>
+                            </p:childTnLst>
+                          </p:cTn>
+                        </p:par>
+                      </p:childTnLst>
+                    </p:cTn>
+                  </p:par>
+                  <p:par>
+                    <p:cTn id="39" fill="hold">
+                      <p:stCondLst>
+                        <p:cond delay="indefinite"/>
+                      </p:stCondLst>
+                      <p:childTnLst>
+                        <p:par>
+                          <p:cTn id="40" fill="hold">
+                            <p:stCondLst>
+                              <p:cond delay="0"/>
+                            </p:stCondLst>
+                            <p:childTnLst>
+                              <p:par>
+                                <p:cTn id="41" presetID="1" presetClass="entr" presetSubtype="0" fill="hold" nodeType="clickEffect">
+                                  <p:stCondLst>
+                                    <p:cond delay="0"/>
+                                  </p:stCondLst>
+                                  <p:childTnLst>
+                                    <p:set>
+                                      <p:cBhvr>
+                                        <p:cTn id="42" dur="1" fill="hold">
+                                          <p:stCondLst>
+                                            <p:cond delay="0"/>
+                                          </p:stCondLst>
+                                        </p:cTn>
+                                        <p:tgtEl>
+                                          <p:spTgt spid="3">
+                                            <p:txEl>
+                                              <p:pRg st="9" end="9"/>
+                                            </p:txEl>
+                                          </p:spTgt>
+                                        </p:tgtEl>
+                                        <p:attrNameLst>
+                                          <p:attrName>style.visibility</p:attrName>
+                                        </p:attrNameLst>
+                                      </p:cBhvr>
+                                      <p:to>
+                                        <p:strVal val="visible"/>
+                                      </p:to>
+                                    </p:set>
+                                  </p:childTnLst>
+                                </p:cTn>
+                              </p:par>
+                            </p:childTnLst>
+                          </p:cTn>
+                        </p:par>
+                      </p:childTnLst>
+                    </p:cTn>
+                  </p:par>
+                  <p:par>
+                    <p:cTn id="43" fill="hold">
+                      <p:stCondLst>
+                        <p:cond delay="indefinite"/>
+                      </p:stCondLst>
+                      <p:childTnLst>
+                        <p:par>
+                          <p:cTn id="44" fill="hold">
+                            <p:stCondLst>
+                              <p:cond delay="0"/>
+                            </p:stCondLst>
+                            <p:childTnLst>
+                              <p:par>
+                                <p:cTn id="45" presetID="1" presetClass="entr" presetSubtype="0" fill="hold" nodeType="clickEffect">
+                                  <p:stCondLst>
+                                    <p:cond delay="0"/>
+                                  </p:stCondLst>
+                                  <p:childTnLst>
+                                    <p:set>
+                                      <p:cBhvr>
+                                        <p:cTn id="46" dur="1" fill="hold">
+                                          <p:stCondLst>
+                                            <p:cond delay="0"/>
+                                          </p:stCondLst>
+                                        </p:cTn>
+                                        <p:tgtEl>
+                                          <p:spTgt spid="3">
+                                            <p:txEl>
+                                              <p:pRg st="10" end="10"/>
+                                            </p:txEl>
+                                          </p:spTgt>
+                                        </p:tgtEl>
+                                        <p:attrNameLst>
+                                          <p:attrName>style.visibility</p:attrName>
+                                        </p:attrNameLst>
+                                      </p:cBhvr>
+                                      <p:to>
+                                        <p:strVal val="visible"/>
+                                      </p:to>
+                                    </p:set>
+                                  </p:childTnLst>
+                                </p:cTn>
+                              </p:par>
+                            </p:childTnLst>
+                          </p:cTn>
+                        </p:par>
+                      </p:childTnLst>
+                    </p:cTn>
+                  </p:par>
+                  <p:par>
+                    <p:cTn id="47" fill="hold">
+                      <p:stCondLst>
+                        <p:cond delay="indefinite"/>
+                      </p:stCondLst>
+                      <p:childTnLst>
+                        <p:par>
+                          <p:cTn id="48" fill="hold">
+                            <p:stCondLst>
+                              <p:cond delay="0"/>
+                            </p:stCondLst>
+                            <p:childTnLst>
+                              <p:par>
+                                <p:cTn id="49" presetID="1" presetClass="entr" presetSubtype="0" fill="hold" nodeType="clickEffect">
+                                  <p:stCondLst>
+                                    <p:cond delay="0"/>
+                                  </p:stCondLst>
+                                  <p:childTnLst>
+                                    <p:set>
+                                      <p:cBhvr>
+                                        <p:cTn id="50" dur="1" fill="hold">
+                                          <p:stCondLst>
+                                            <p:cond delay="0"/>
+                                          </p:stCondLst>
+                                        </p:cTn>
+                                        <p:tgtEl>
+                                          <p:spTgt spid="3">
+                                            <p:txEl>
+                                              <p:pRg st="11" end="11"/>
+                                            </p:txEl>
+                                          </p:spTgt>
+                                        </p:tgtEl>
+                                        <p:attrNameLst>
+                                          <p:attrName>style.visibility</p:attrName>
+                                        </p:attrNameLst>
+                                      </p:cBhvr>
+                                      <p:to>
+                                        <p:strVal val="visible"/>
+                                      </p:to>
+                                    </p:set>
+                                  </p:childTnLst>
+                                </p:cTn>
+                              </p:par>
+                            </p:childTnLst>
+                          </p:cTn>
+                        </p:par>
+                      </p:childTnLst>
+                    </p:cTn>
+                  </p:par>
+                  <p:par>
+                    <p:cTn id="51" fill="hold">
+                      <p:stCondLst>
+                        <p:cond delay="indefinite"/>
+                      </p:stCondLst>
+                      <p:childTnLst>
+                        <p:par>
+                          <p:cTn id="52" fill="hold">
+                            <p:stCondLst>
+                              <p:cond delay="0"/>
+                            </p:stCondLst>
+                            <p:childTnLst>
+                              <p:par>
+                                <p:cTn id="53" presetID="1" presetClass="entr" presetSubtype="0" fill="hold" nodeType="clickEffect">
+                                  <p:stCondLst>
+                                    <p:cond delay="0"/>
+                                  </p:stCondLst>
+                                  <p:childTnLst>
+                                    <p:set>
+                                      <p:cBhvr>
+                                        <p:cTn id="54" dur="1" fill="hold">
+                                          <p:stCondLst>
+                                            <p:cond delay="0"/>
+                                          </p:stCondLst>
+                                        </p:cTn>
+                                        <p:tgtEl>
+                                          <p:spTgt spid="3">
+                                            <p:txEl>
+                                              <p:pRg st="12" end="12"/>
+                                            </p:txEl>
+                                          </p:spTgt>
+                                        </p:tgtEl>
+                                        <p:attrNameLst>
+                                          <p:attrName>style.visibility</p:attrName>
+                                        </p:attrNameLst>
+                                      </p:cBhvr>
+                                      <p:to>
+                                        <p:strVal val="visible"/>
+                                      </p:to>
+                                    </p:set>
+                                  </p:childTnLst>
+                                </p:cTn>
+                              </p:par>
+                            </p:childTnLst>
+                          </p:cTn>
+                        </p:par>
+                      </p:childTnLst>
+                    </p:cTn>
+                  </p:par>
+                  <p:par>
+                    <p:cTn id="55" fill="hold">
+                      <p:stCondLst>
+                        <p:cond delay="indefinite"/>
+                      </p:stCondLst>
+                      <p:childTnLst>
+                        <p:par>
+                          <p:cTn id="56" fill="hold">
+                            <p:stCondLst>
+                              <p:cond delay="0"/>
+                            </p:stCondLst>
+                            <p:childTnLst>
+                              <p:par>
+                                <p:cTn id="57" presetID="1" presetClass="entr" presetSubtype="0" fill="hold" nodeType="clickEffect">
+                                  <p:stCondLst>
+                                    <p:cond delay="0"/>
+                                  </p:stCondLst>
+                                  <p:childTnLst>
+                                    <p:set>
+                                      <p:cBhvr>
+                                        <p:cTn id="58" dur="1" fill="hold">
+                                          <p:stCondLst>
+                                            <p:cond delay="0"/>
+                                          </p:stCondLst>
+                                        </p:cTn>
+                                        <p:tgtEl>
+                                          <p:spTgt spid="3">
+                                            <p:txEl>
+                                              <p:pRg st="13" end="13"/>
+                                            </p:txEl>
+                                          </p:spTgt>
+                                        </p:tgtEl>
+                                        <p:attrNameLst>
+                                          <p:attrName>style.visibility</p:attrName>
+                                        </p:attrNameLst>
+                                      </p:cBhvr>
+                                      <p:to>
+                                        <p:strVal val="visible"/>
+                                      </p:to>
+                                    </p:set>
+                                  </p:childTnLst>
+                                </p:cTn>
+                              </p:par>
+                            </p:childTnLst>
+                          </p:cTn>
+                        </p:par>
+                      </p:childTnLst>
+                    </p:cTn>
+                  </p:par>
+                  <p:par>
+                    <p:cTn id="59" fill="hold">
+                      <p:stCondLst>
+                        <p:cond delay="indefinite"/>
+                      </p:stCondLst>
+                      <p:childTnLst>
+                        <p:par>
+                          <p:cTn id="60" fill="hold">
+                            <p:stCondLst>
+                              <p:cond delay="0"/>
+                            </p:stCondLst>
+                            <p:childTnLst>
+                              <p:par>
+                                <p:cTn id="61" presetID="1" presetClass="entr" presetSubtype="0" fill="hold" nodeType="clickEffect">
+                                  <p:stCondLst>
+                                    <p:cond delay="0"/>
+                                  </p:stCondLst>
+                                  <p:childTnLst>
+                                    <p:set>
+                                      <p:cBhvr>
+                                        <p:cTn id="62" dur="1" fill="hold">
+                                          <p:stCondLst>
+                                            <p:cond delay="0"/>
+                                          </p:stCondLst>
+                                        </p:cTn>
+                                        <p:tgtEl>
+                                          <p:spTgt spid="3">
+                                            <p:txEl>
+                                              <p:pRg st="14" end="14"/>
+                                            </p:txEl>
+                                          </p:spTgt>
+                                        </p:tgtEl>
+                                        <p:attrNameLst>
+                                          <p:attrName>style.visibility</p:attrName>
+                                        </p:attrNameLst>
+                                      </p:cBhvr>
+                                      <p:to>
+                                        <p:strVal val="visible"/>
+                                      </p:to>
+                                    </p:set>
+                                  </p:childTnLst>
+                                </p:cTn>
+                              </p:par>
+                            </p:childTnLst>
+                          </p:cTn>
+                        </p:par>
+                      </p:childTnLst>
+                    </p:cTn>
+                  </p:par>
+                </p:childTnLst>
+              </p:cTn>
+              <p:prevCondLst>
+                <p:cond evt="onPrev" delay="0">
+                  <p:tgtEl>
+                    <p:sldTgt/>
+                  </p:tgtEl>
+                </p:cond>
+              </p:prevCondLst>
+              <p:nextCondLst>
+                <p:cond evt="onNext" delay="0">
+                  <p:tgtEl>
+                    <p:sldTgt/>
+                  </p:tgtEl>
+                </p:cond>
+              </p:nextCondLst>
+            </p:seq>
+          </p:childTnLst>
+        </p:cTn>
+      </p:par>
+    </p:tnLst>
+  </p:timing>
+</p:sld>
+</file>
+
+<file path=ppt/slides/slide14.xml><?xml version="1.0" encoding="utf-8"?>
+<p:sld xmlns:a="http://schemas.openxmlformats.org/drawingml/2006/main" xmlns:r="http://schemas.openxmlformats.org/officeDocument/2006/relationships" xmlns:p="http://schemas.openxmlformats.org/presentationml/2006/main">
+  <p:cSld>
+    <p:spTree>
+      <p:nvGrpSpPr>
+        <p:cNvPr id="1" name=""/>
+        <p:cNvGrpSpPr/>
+        <p:nvPr/>
+      </p:nvGrpSpPr>
+      <p:grpSpPr>
+        <a:xfrm>
+          <a:off x="0" y="0"/>
+          <a:ext cx="0" cy="0"/>
+          <a:chOff x="0" y="0"/>
+          <a:chExt cx="0" cy="0"/>
+        </a:xfrm>
+      </p:grpSpPr>
+      <p:sp>
+        <p:nvSpPr>
+          <p:cNvPr id="2" name="Title 1">
+            <a:extLst>
+              <a:ext uri="{FF2B5EF4-FFF2-40B4-BE49-F238E27FC236}">
+                <a16:creationId xmlns:a16="http://schemas.microsoft.com/office/drawing/2014/main" id="{84956429-172D-4C98-8FF4-5DD8DA95250B}"/>
+              </a:ext>
+            </a:extLst>
+          </p:cNvPr>
+          <p:cNvSpPr>
+            <a:spLocks noGrp="1"/>
+          </p:cNvSpPr>
+          <p:nvPr>
+            <p:ph type="title"/>
+          </p:nvPr>
+        </p:nvSpPr>
+        <p:spPr/>
+        <p:txBody>
+          <a:bodyPr>
+            <a:noAutofit/>
+          </a:bodyPr>
+          <a:lstStyle/>
+          <a:p>
+            <a:r>
+              <a:rPr lang="en-US" sz="3200" dirty="0"/>
+              <a:t>Solving Bounded Buffer Using Condition Variables</a:t>
+            </a:r>
+          </a:p>
+        </p:txBody>
+      </p:sp>
+      <p:sp>
+        <p:nvSpPr>
+          <p:cNvPr id="3" name="Content Placeholder 2">
+            <a:extLst>
+              <a:ext uri="{FF2B5EF4-FFF2-40B4-BE49-F238E27FC236}">
+                <a16:creationId xmlns:a16="http://schemas.microsoft.com/office/drawing/2014/main" id="{FA7B8CAB-D910-4377-AEFC-07F13C575C18}"/>
+              </a:ext>
+            </a:extLst>
+          </p:cNvPr>
+          <p:cNvSpPr>
+            <a:spLocks noGrp="1"/>
+          </p:cNvSpPr>
+          <p:nvPr>
+            <p:ph idx="1"/>
+          </p:nvPr>
+        </p:nvSpPr>
+        <p:spPr/>
+        <p:txBody>
+          <a:bodyPr/>
+          <a:lstStyle/>
+          <a:p>
+            <a:endParaRPr lang="en-US"/>
+          </a:p>
+        </p:txBody>
+      </p:sp>
+      <p:sp>
+        <p:nvSpPr>
+          <p:cNvPr id="4" name="Footer Placeholder 3">
+            <a:extLst>
+              <a:ext uri="{FF2B5EF4-FFF2-40B4-BE49-F238E27FC236}">
+                <a16:creationId xmlns:a16="http://schemas.microsoft.com/office/drawing/2014/main" id="{C7BFBED2-F3F5-430C-8FA3-3EF302716636}"/>
+              </a:ext>
+            </a:extLst>
+          </p:cNvPr>
+          <p:cNvSpPr>
+            <a:spLocks noGrp="1"/>
+          </p:cNvSpPr>
+          <p:nvPr>
+            <p:ph type="ftr" idx="11"/>
+          </p:nvPr>
+        </p:nvSpPr>
+        <p:spPr/>
+        <p:txBody>
+          <a:bodyPr/>
+          <a:lstStyle/>
+          <a:p>
+            <a:pPr>
+              <a:defRPr/>
+            </a:pPr>
+            <a:r>
+              <a:rPr lang="en-US">
+                <a:latin typeface="+mn-lt"/>
+              </a:rPr>
+              <a:t>CS 1550 – Operating Systems – Sherif Khattab</a:t>
+            </a:r>
+            <a:endParaRPr lang="en-GB"/>
+          </a:p>
+        </p:txBody>
+      </p:sp>
+      <p:pic>
+        <p:nvPicPr>
+          <p:cNvPr id="6" name="Picture 5">
+            <a:extLst>
+              <a:ext uri="{FF2B5EF4-FFF2-40B4-BE49-F238E27FC236}">
+                <a16:creationId xmlns:a16="http://schemas.microsoft.com/office/drawing/2014/main" id="{540D19B8-68C5-4084-A4A5-081F30EAF9B7}"/>
+              </a:ext>
+            </a:extLst>
+          </p:cNvPr>
+          <p:cNvPicPr>
+            <a:picLocks noChangeAspect="1"/>
+          </p:cNvPicPr>
+          <p:nvPr/>
+        </p:nvPicPr>
+        <p:blipFill>
+          <a:blip r:embed="rId2"/>
+          <a:stretch>
+            <a:fillRect/>
+          </a:stretch>
+        </p:blipFill>
+        <p:spPr>
+          <a:xfrm>
+            <a:off x="278254" y="899868"/>
+            <a:ext cx="9539786" cy="6361129"/>
+          </a:xfrm>
+          <a:prstGeom prst="rect">
+            <a:avLst/>
+          </a:prstGeom>
+        </p:spPr>
+      </p:pic>
+    </p:spTree>
+    <p:extLst>
+      <p:ext uri="{BB962C8B-B14F-4D97-AF65-F5344CB8AC3E}">
+        <p14:creationId xmlns:p14="http://schemas.microsoft.com/office/powerpoint/2010/main" val="2984486663"/>
       </p:ext>
     </p:extLst>
   </p:cSld>
